--- a/xxxxx005_RPC/370_RPC_Data_Structure.pptx
+++ b/xxxxx005_RPC/370_RPC_Data_Structure.pptx
@@ -222,7 +222,7 @@
           <a:p>
             <a:fld id="{8A4CF053-040B-44B7-89E9-8CB547445B7F}" type="datetimeFigureOut">
               <a:rPr kumimoji="1" lang="ja-JP" altLang="en-US" smtClean="0"/>
-              <a:t>2023/2/23</a:t>
+              <a:t>2023/6/1</a:t>
             </a:fld>
             <a:endParaRPr kumimoji="1" lang="ja-JP" altLang="en-US"/>
           </a:p>
@@ -752,7 +752,7 @@
           <a:p>
             <a:fld id="{450CE236-8E69-46A3-A89B-50E3FB1BE869}" type="datetimeFigureOut">
               <a:rPr kumimoji="1" lang="ja-JP" altLang="en-US" smtClean="0"/>
-              <a:t>2023/2/23</a:t>
+              <a:t>2023/6/1</a:t>
             </a:fld>
             <a:endParaRPr kumimoji="1" lang="ja-JP" altLang="en-US"/>
           </a:p>
@@ -982,7 +982,7 @@
           <a:p>
             <a:fld id="{450CE236-8E69-46A3-A89B-50E3FB1BE869}" type="datetimeFigureOut">
               <a:rPr kumimoji="1" lang="ja-JP" altLang="en-US" smtClean="0"/>
-              <a:t>2023/2/23</a:t>
+              <a:t>2023/6/1</a:t>
             </a:fld>
             <a:endParaRPr kumimoji="1" lang="ja-JP" altLang="en-US"/>
           </a:p>
@@ -1222,7 +1222,7 @@
           <a:p>
             <a:fld id="{450CE236-8E69-46A3-A89B-50E3FB1BE869}" type="datetimeFigureOut">
               <a:rPr kumimoji="1" lang="ja-JP" altLang="en-US" smtClean="0"/>
-              <a:t>2023/2/23</a:t>
+              <a:t>2023/6/1</a:t>
             </a:fld>
             <a:endParaRPr kumimoji="1" lang="ja-JP" altLang="en-US"/>
           </a:p>
@@ -1452,7 +1452,7 @@
           <a:p>
             <a:fld id="{450CE236-8E69-46A3-A89B-50E3FB1BE869}" type="datetimeFigureOut">
               <a:rPr kumimoji="1" lang="ja-JP" altLang="en-US" smtClean="0"/>
-              <a:t>2023/2/23</a:t>
+              <a:t>2023/6/1</a:t>
             </a:fld>
             <a:endParaRPr kumimoji="1" lang="ja-JP" altLang="en-US"/>
           </a:p>
@@ -1727,7 +1727,7 @@
           <a:p>
             <a:fld id="{450CE236-8E69-46A3-A89B-50E3FB1BE869}" type="datetimeFigureOut">
               <a:rPr kumimoji="1" lang="ja-JP" altLang="en-US" smtClean="0"/>
-              <a:t>2023/2/23</a:t>
+              <a:t>2023/6/1</a:t>
             </a:fld>
             <a:endParaRPr kumimoji="1" lang="ja-JP" altLang="en-US"/>
           </a:p>
@@ -2056,7 +2056,7 @@
           <a:p>
             <a:fld id="{450CE236-8E69-46A3-A89B-50E3FB1BE869}" type="datetimeFigureOut">
               <a:rPr kumimoji="1" lang="ja-JP" altLang="en-US" smtClean="0"/>
-              <a:t>2023/2/23</a:t>
+              <a:t>2023/6/1</a:t>
             </a:fld>
             <a:endParaRPr kumimoji="1" lang="ja-JP" altLang="en-US"/>
           </a:p>
@@ -2532,7 +2532,7 @@
           <a:p>
             <a:fld id="{450CE236-8E69-46A3-A89B-50E3FB1BE869}" type="datetimeFigureOut">
               <a:rPr kumimoji="1" lang="ja-JP" altLang="en-US" smtClean="0"/>
-              <a:t>2023/2/23</a:t>
+              <a:t>2023/6/1</a:t>
             </a:fld>
             <a:endParaRPr kumimoji="1" lang="ja-JP" altLang="en-US"/>
           </a:p>
@@ -2673,7 +2673,7 @@
           <a:p>
             <a:fld id="{450CE236-8E69-46A3-A89B-50E3FB1BE869}" type="datetimeFigureOut">
               <a:rPr kumimoji="1" lang="ja-JP" altLang="en-US" smtClean="0"/>
-              <a:t>2023/2/23</a:t>
+              <a:t>2023/6/1</a:t>
             </a:fld>
             <a:endParaRPr kumimoji="1" lang="ja-JP" altLang="en-US"/>
           </a:p>
@@ -2786,7 +2786,7 @@
           <a:p>
             <a:fld id="{450CE236-8E69-46A3-A89B-50E3FB1BE869}" type="datetimeFigureOut">
               <a:rPr kumimoji="1" lang="ja-JP" altLang="en-US" smtClean="0"/>
-              <a:t>2023/2/23</a:t>
+              <a:t>2023/6/1</a:t>
             </a:fld>
             <a:endParaRPr kumimoji="1" lang="ja-JP" altLang="en-US"/>
           </a:p>
@@ -3129,7 +3129,7 @@
           <a:p>
             <a:fld id="{450CE236-8E69-46A3-A89B-50E3FB1BE869}" type="datetimeFigureOut">
               <a:rPr kumimoji="1" lang="ja-JP" altLang="en-US" smtClean="0"/>
-              <a:t>2023/2/23</a:t>
+              <a:t>2023/6/1</a:t>
             </a:fld>
             <a:endParaRPr kumimoji="1" lang="ja-JP" altLang="en-US"/>
           </a:p>
@@ -3417,7 +3417,7 @@
           <a:p>
             <a:fld id="{450CE236-8E69-46A3-A89B-50E3FB1BE869}" type="datetimeFigureOut">
               <a:rPr kumimoji="1" lang="ja-JP" altLang="en-US" smtClean="0"/>
-              <a:t>2023/2/23</a:t>
+              <a:t>2023/6/1</a:t>
             </a:fld>
             <a:endParaRPr kumimoji="1" lang="ja-JP" altLang="en-US"/>
           </a:p>
@@ -3690,7 +3690,7 @@
           <a:p>
             <a:fld id="{450CE236-8E69-46A3-A89B-50E3FB1BE869}" type="datetimeFigureOut">
               <a:rPr kumimoji="1" lang="ja-JP" altLang="en-US" smtClean="0"/>
-              <a:t>2023/2/23</a:t>
+              <a:t>2023/6/1</a:t>
             </a:fld>
             <a:endParaRPr kumimoji="1" lang="ja-JP" altLang="en-US"/>
           </a:p>
@@ -4121,7 +4121,7 @@
         </p:nvSpPr>
         <p:spPr>
           <a:xfrm>
-            <a:off x="4685757" y="5984392"/>
+            <a:off x="4685757" y="5704992"/>
             <a:ext cx="6525167" cy="592424"/>
           </a:xfrm>
           <a:custGeom>
@@ -4284,7 +4284,7 @@
         </p:nvSpPr>
         <p:spPr>
           <a:xfrm>
-            <a:off x="472164" y="973315"/>
+            <a:off x="472164" y="693915"/>
             <a:ext cx="4942368" cy="5011077"/>
           </a:xfrm>
           <a:prstGeom prst="rect">
@@ -4338,7 +4338,7 @@
         </p:nvSpPr>
         <p:spPr>
           <a:xfrm>
-            <a:off x="6904150" y="1028411"/>
+            <a:off x="6904150" y="749011"/>
             <a:ext cx="4815686" cy="4997029"/>
           </a:xfrm>
           <a:prstGeom prst="rect">
@@ -4392,7 +4392,7 @@
         </p:nvSpPr>
         <p:spPr>
           <a:xfrm>
-            <a:off x="887607" y="5234693"/>
+            <a:off x="887607" y="4955293"/>
             <a:ext cx="10476000" cy="216000"/>
           </a:xfrm>
           <a:prstGeom prst="parallelogram">
@@ -4453,7 +4453,7 @@
         </p:nvSpPr>
         <p:spPr>
           <a:xfrm>
-            <a:off x="887607" y="4288267"/>
+            <a:off x="887607" y="4008867"/>
             <a:ext cx="10476000" cy="216000"/>
           </a:xfrm>
           <a:prstGeom prst="parallelogram">
@@ -4514,7 +4514,7 @@
         </p:nvSpPr>
         <p:spPr>
           <a:xfrm>
-            <a:off x="887607" y="3260202"/>
+            <a:off x="887607" y="2980802"/>
             <a:ext cx="10476000" cy="216000"/>
           </a:xfrm>
           <a:prstGeom prst="parallelogram">
@@ -4575,7 +4575,7 @@
         </p:nvSpPr>
         <p:spPr>
           <a:xfrm>
-            <a:off x="887607" y="2438914"/>
+            <a:off x="887607" y="2159514"/>
             <a:ext cx="10476000" cy="216000"/>
           </a:xfrm>
           <a:prstGeom prst="parallelogram">
@@ -4636,7 +4636,7 @@
         </p:nvSpPr>
         <p:spPr>
           <a:xfrm>
-            <a:off x="887607" y="1636230"/>
+            <a:off x="887607" y="1356830"/>
             <a:ext cx="10476000" cy="216000"/>
           </a:xfrm>
           <a:prstGeom prst="parallelogram">
@@ -4697,7 +4697,7 @@
         </p:nvSpPr>
         <p:spPr>
           <a:xfrm>
-            <a:off x="5817156" y="5998399"/>
+            <a:off x="5817156" y="5718999"/>
             <a:ext cx="877862" cy="215444"/>
           </a:xfrm>
           <a:prstGeom prst="rect">
@@ -4732,7 +4732,7 @@
         </p:nvSpPr>
         <p:spPr>
           <a:xfrm>
-            <a:off x="893589" y="5580446"/>
+            <a:off x="893589" y="5301046"/>
             <a:ext cx="1584000" cy="288000"/>
           </a:xfrm>
           <a:prstGeom prst="roundRect">
@@ -4810,7 +4810,7 @@
         </p:nvSpPr>
         <p:spPr>
           <a:xfrm>
-            <a:off x="893589" y="2692930"/>
+            <a:off x="893589" y="2413530"/>
             <a:ext cx="1584000" cy="324000"/>
           </a:xfrm>
           <a:prstGeom prst="roundRect">
@@ -4881,7 +4881,7 @@
         </p:nvSpPr>
         <p:spPr>
           <a:xfrm>
-            <a:off x="893589" y="4558340"/>
+            <a:off x="893589" y="4278940"/>
             <a:ext cx="1584000" cy="324000"/>
           </a:xfrm>
           <a:prstGeom prst="roundRect">
@@ -4959,7 +4959,7 @@
         </p:nvSpPr>
         <p:spPr>
           <a:xfrm>
-            <a:off x="893589" y="3539173"/>
+            <a:off x="893589" y="3259773"/>
             <a:ext cx="1584000" cy="324000"/>
           </a:xfrm>
           <a:prstGeom prst="roundRect">
@@ -5037,7 +5037,7 @@
         </p:nvSpPr>
         <p:spPr>
           <a:xfrm>
-            <a:off x="365756" y="907766"/>
+            <a:off x="365756" y="628366"/>
             <a:ext cx="702644" cy="282289"/>
           </a:xfrm>
           <a:prstGeom prst="rect">
@@ -5093,7 +5093,7 @@
         </p:nvSpPr>
         <p:spPr>
           <a:xfrm>
-            <a:off x="11175851" y="888516"/>
+            <a:off x="11175851" y="609116"/>
             <a:ext cx="702644" cy="282289"/>
           </a:xfrm>
           <a:prstGeom prst="rect">
@@ -5157,7 +5157,7 @@
         </p:nvSpPr>
         <p:spPr>
           <a:xfrm>
-            <a:off x="893589" y="1911573"/>
+            <a:off x="893589" y="1632173"/>
             <a:ext cx="1584000" cy="324000"/>
           </a:xfrm>
           <a:prstGeom prst="roundRect">
@@ -5212,7 +5212,7 @@
         </p:nvSpPr>
         <p:spPr>
           <a:xfrm>
-            <a:off x="7061800" y="5578845"/>
+            <a:off x="7061800" y="5299445"/>
             <a:ext cx="2322827" cy="324000"/>
           </a:xfrm>
           <a:prstGeom prst="roundRect">
@@ -5282,7 +5282,7 @@
         </p:nvSpPr>
         <p:spPr>
           <a:xfrm>
-            <a:off x="7061800" y="2692930"/>
+            <a:off x="7061800" y="2413530"/>
             <a:ext cx="1769225" cy="324000"/>
           </a:xfrm>
           <a:prstGeom prst="roundRect">
@@ -5360,7 +5360,7 @@
         </p:nvSpPr>
         <p:spPr>
           <a:xfrm>
-            <a:off x="7061801" y="4556739"/>
+            <a:off x="7061801" y="4277339"/>
             <a:ext cx="1584000" cy="324000"/>
           </a:xfrm>
           <a:prstGeom prst="roundRect">
@@ -5423,7 +5423,7 @@
         </p:nvSpPr>
         <p:spPr>
           <a:xfrm>
-            <a:off x="7061801" y="3556822"/>
+            <a:off x="7061801" y="3277422"/>
             <a:ext cx="1584000" cy="324000"/>
           </a:xfrm>
           <a:prstGeom prst="roundRect">
@@ -5509,7 +5509,7 @@
         </p:nvSpPr>
         <p:spPr>
           <a:xfrm>
-            <a:off x="7061801" y="1929222"/>
+            <a:off x="7061801" y="1649822"/>
             <a:ext cx="1584000" cy="324000"/>
           </a:xfrm>
           <a:prstGeom prst="roundRect">
@@ -5564,7 +5564,7 @@
         </p:nvSpPr>
         <p:spPr>
           <a:xfrm>
-            <a:off x="7140349" y="1801296"/>
+            <a:off x="7140349" y="1521896"/>
             <a:ext cx="231008" cy="178234"/>
           </a:xfrm>
           <a:prstGeom prst="triangle">
@@ -5610,7 +5610,7 @@
         </p:nvSpPr>
         <p:spPr>
           <a:xfrm>
-            <a:off x="7127516" y="2547914"/>
+            <a:off x="7127516" y="2268514"/>
             <a:ext cx="231008" cy="178234"/>
           </a:xfrm>
           <a:prstGeom prst="triangle">
@@ -5656,7 +5656,7 @@
         </p:nvSpPr>
         <p:spPr>
           <a:xfrm>
-            <a:off x="7164415" y="3383711"/>
+            <a:off x="7164415" y="3104311"/>
             <a:ext cx="231008" cy="178234"/>
           </a:xfrm>
           <a:prstGeom prst="triangle">
@@ -5702,7 +5702,7 @@
         </p:nvSpPr>
         <p:spPr>
           <a:xfrm>
-            <a:off x="7153183" y="4402387"/>
+            <a:off x="7153183" y="4122987"/>
             <a:ext cx="231008" cy="178234"/>
           </a:xfrm>
           <a:prstGeom prst="triangle">
@@ -5748,7 +5748,7 @@
         </p:nvSpPr>
         <p:spPr>
           <a:xfrm>
-            <a:off x="7151579" y="5430686"/>
+            <a:off x="7151579" y="5151286"/>
             <a:ext cx="231008" cy="178234"/>
           </a:xfrm>
           <a:prstGeom prst="triangle">
@@ -5794,7 +5794,7 @@
         </p:nvSpPr>
         <p:spPr>
           <a:xfrm>
-            <a:off x="1055564" y="1770820"/>
+            <a:off x="1055564" y="1491420"/>
             <a:ext cx="231008" cy="178234"/>
           </a:xfrm>
           <a:prstGeom prst="triangle">
@@ -5840,7 +5840,7 @@
         </p:nvSpPr>
         <p:spPr>
           <a:xfrm>
-            <a:off x="1042731" y="2517438"/>
+            <a:off x="1042731" y="2238038"/>
             <a:ext cx="231008" cy="178234"/>
           </a:xfrm>
           <a:prstGeom prst="triangle">
@@ -5886,7 +5886,7 @@
         </p:nvSpPr>
         <p:spPr>
           <a:xfrm>
-            <a:off x="1079630" y="3353235"/>
+            <a:off x="1079630" y="3073835"/>
             <a:ext cx="231008" cy="178234"/>
           </a:xfrm>
           <a:prstGeom prst="triangle">
@@ -5932,7 +5932,7 @@
         </p:nvSpPr>
         <p:spPr>
           <a:xfrm>
-            <a:off x="1068398" y="4371911"/>
+            <a:off x="1068398" y="4092511"/>
             <a:ext cx="231008" cy="178234"/>
           </a:xfrm>
           <a:prstGeom prst="triangle">
@@ -5978,7 +5978,7 @@
         </p:nvSpPr>
         <p:spPr>
           <a:xfrm>
-            <a:off x="1066794" y="5400210"/>
+            <a:off x="1066794" y="5120810"/>
             <a:ext cx="231008" cy="178234"/>
           </a:xfrm>
           <a:prstGeom prst="triangle">
@@ -6024,7 +6024,7 @@
         </p:nvSpPr>
         <p:spPr>
           <a:xfrm>
-            <a:off x="8144877" y="4993803"/>
+            <a:off x="8144877" y="4714403"/>
             <a:ext cx="828000" cy="396000"/>
           </a:xfrm>
           <a:prstGeom prst="cube">
@@ -6100,7 +6100,7 @@
         </p:nvSpPr>
         <p:spPr>
           <a:xfrm>
-            <a:off x="8902564" y="4993803"/>
+            <a:off x="8902564" y="4714403"/>
             <a:ext cx="648000" cy="396000"/>
           </a:xfrm>
           <a:prstGeom prst="cube">
@@ -6171,7 +6171,7 @@
         </p:nvSpPr>
         <p:spPr>
           <a:xfrm>
-            <a:off x="9478189" y="4993803"/>
+            <a:off x="9478189" y="4714403"/>
             <a:ext cx="648000" cy="396000"/>
           </a:xfrm>
           <a:prstGeom prst="cube">
@@ -6242,7 +6242,7 @@
         </p:nvSpPr>
         <p:spPr>
           <a:xfrm>
-            <a:off x="10056585" y="4993803"/>
+            <a:off x="10056585" y="4714403"/>
             <a:ext cx="648000" cy="396000"/>
           </a:xfrm>
           <a:prstGeom prst="cube">
@@ -6313,7 +6313,7 @@
         </p:nvSpPr>
         <p:spPr>
           <a:xfrm>
-            <a:off x="10637738" y="4993803"/>
+            <a:off x="10637738" y="4714403"/>
             <a:ext cx="648000" cy="396000"/>
           </a:xfrm>
           <a:prstGeom prst="cube">
@@ -6378,7 +6378,7 @@
         </p:nvSpPr>
         <p:spPr>
           <a:xfrm>
-            <a:off x="2101615" y="4993803"/>
+            <a:off x="2101615" y="4714403"/>
             <a:ext cx="828000" cy="396000"/>
           </a:xfrm>
           <a:prstGeom prst="cube">
@@ -6454,7 +6454,7 @@
         </p:nvSpPr>
         <p:spPr>
           <a:xfrm>
-            <a:off x="2859302" y="4993803"/>
+            <a:off x="2859302" y="4714403"/>
             <a:ext cx="648000" cy="396000"/>
           </a:xfrm>
           <a:prstGeom prst="cube">
@@ -6525,7 +6525,7 @@
         </p:nvSpPr>
         <p:spPr>
           <a:xfrm>
-            <a:off x="3434927" y="4993803"/>
+            <a:off x="3434927" y="4714403"/>
             <a:ext cx="648000" cy="396000"/>
           </a:xfrm>
           <a:prstGeom prst="cube">
@@ -6596,7 +6596,7 @@
         </p:nvSpPr>
         <p:spPr>
           <a:xfrm>
-            <a:off x="4013323" y="4993803"/>
+            <a:off x="4013323" y="4714403"/>
             <a:ext cx="648000" cy="396000"/>
           </a:xfrm>
           <a:prstGeom prst="cube">
@@ -6667,7 +6667,7 @@
         </p:nvSpPr>
         <p:spPr>
           <a:xfrm>
-            <a:off x="4594479" y="4993803"/>
+            <a:off x="4594479" y="4714403"/>
             <a:ext cx="648000" cy="396000"/>
           </a:xfrm>
           <a:prstGeom prst="cube">
@@ -6732,7 +6732,7 @@
         </p:nvSpPr>
         <p:spPr>
           <a:xfrm>
-            <a:off x="2859302" y="4051652"/>
+            <a:off x="2859302" y="3772252"/>
             <a:ext cx="648000" cy="396000"/>
           </a:xfrm>
           <a:prstGeom prst="cube">
@@ -6803,7 +6803,7 @@
         </p:nvSpPr>
         <p:spPr>
           <a:xfrm>
-            <a:off x="3434927" y="4051652"/>
+            <a:off x="3434927" y="3772252"/>
             <a:ext cx="648000" cy="396000"/>
           </a:xfrm>
           <a:prstGeom prst="cube">
@@ -6874,7 +6874,7 @@
         </p:nvSpPr>
         <p:spPr>
           <a:xfrm>
-            <a:off x="4013323" y="4051652"/>
+            <a:off x="4013323" y="3772252"/>
             <a:ext cx="648000" cy="396000"/>
           </a:xfrm>
           <a:prstGeom prst="cube">
@@ -6945,7 +6945,7 @@
         </p:nvSpPr>
         <p:spPr>
           <a:xfrm>
-            <a:off x="4594479" y="4051652"/>
+            <a:off x="4594479" y="3772252"/>
             <a:ext cx="648000" cy="396000"/>
           </a:xfrm>
           <a:prstGeom prst="cube">
@@ -7010,7 +7010,7 @@
         </p:nvSpPr>
         <p:spPr>
           <a:xfrm>
-            <a:off x="3434927" y="3022593"/>
+            <a:off x="3434927" y="2743193"/>
             <a:ext cx="648000" cy="396000"/>
           </a:xfrm>
           <a:prstGeom prst="cube">
@@ -7081,7 +7081,7 @@
         </p:nvSpPr>
         <p:spPr>
           <a:xfrm>
-            <a:off x="4013323" y="3022593"/>
+            <a:off x="4013323" y="2743193"/>
             <a:ext cx="648000" cy="396000"/>
           </a:xfrm>
           <a:prstGeom prst="cube">
@@ -7152,7 +7152,7 @@
         </p:nvSpPr>
         <p:spPr>
           <a:xfrm>
-            <a:off x="4594479" y="3022593"/>
+            <a:off x="4594479" y="2743193"/>
             <a:ext cx="648000" cy="396000"/>
           </a:xfrm>
           <a:prstGeom prst="cube">
@@ -7217,7 +7217,7 @@
         </p:nvSpPr>
         <p:spPr>
           <a:xfrm>
-            <a:off x="8902564" y="4051652"/>
+            <a:off x="8902564" y="3772252"/>
             <a:ext cx="648000" cy="396000"/>
           </a:xfrm>
           <a:prstGeom prst="cube">
@@ -7288,7 +7288,7 @@
         </p:nvSpPr>
         <p:spPr>
           <a:xfrm>
-            <a:off x="9478189" y="4051652"/>
+            <a:off x="9478189" y="3772252"/>
             <a:ext cx="648000" cy="396000"/>
           </a:xfrm>
           <a:prstGeom prst="cube">
@@ -7359,7 +7359,7 @@
         </p:nvSpPr>
         <p:spPr>
           <a:xfrm>
-            <a:off x="10056585" y="4051652"/>
+            <a:off x="10056585" y="3772252"/>
             <a:ext cx="648000" cy="396000"/>
           </a:xfrm>
           <a:prstGeom prst="cube">
@@ -7430,7 +7430,7 @@
         </p:nvSpPr>
         <p:spPr>
           <a:xfrm>
-            <a:off x="10637738" y="4051652"/>
+            <a:off x="10637738" y="3772252"/>
             <a:ext cx="648000" cy="396000"/>
           </a:xfrm>
           <a:prstGeom prst="cube">
@@ -7495,7 +7495,7 @@
         </p:nvSpPr>
         <p:spPr>
           <a:xfrm>
-            <a:off x="9478189" y="3022593"/>
+            <a:off x="9478189" y="2743193"/>
             <a:ext cx="648000" cy="396000"/>
           </a:xfrm>
           <a:prstGeom prst="cube">
@@ -7566,7 +7566,7 @@
         </p:nvSpPr>
         <p:spPr>
           <a:xfrm>
-            <a:off x="10056585" y="3022593"/>
+            <a:off x="10056585" y="2743193"/>
             <a:ext cx="648000" cy="396000"/>
           </a:xfrm>
           <a:prstGeom prst="cube">
@@ -7637,7 +7637,7 @@
         </p:nvSpPr>
         <p:spPr>
           <a:xfrm>
-            <a:off x="10637738" y="3022593"/>
+            <a:off x="10637738" y="2743193"/>
             <a:ext cx="648000" cy="396000"/>
           </a:xfrm>
           <a:prstGeom prst="cube">
@@ -7702,7 +7702,7 @@
         </p:nvSpPr>
         <p:spPr>
           <a:xfrm>
-            <a:off x="4013323" y="2206400"/>
+            <a:off x="4013323" y="1927000"/>
             <a:ext cx="648000" cy="396000"/>
           </a:xfrm>
           <a:prstGeom prst="cube">
@@ -7773,7 +7773,7 @@
         </p:nvSpPr>
         <p:spPr>
           <a:xfrm>
-            <a:off x="4594479" y="2206400"/>
+            <a:off x="4594479" y="1927000"/>
             <a:ext cx="648000" cy="396000"/>
           </a:xfrm>
           <a:prstGeom prst="cube">
@@ -7838,7 +7838,7 @@
         </p:nvSpPr>
         <p:spPr>
           <a:xfrm>
-            <a:off x="10056585" y="2206400"/>
+            <a:off x="10056585" y="1927000"/>
             <a:ext cx="648000" cy="396000"/>
           </a:xfrm>
           <a:prstGeom prst="cube">
@@ -7909,7 +7909,7 @@
         </p:nvSpPr>
         <p:spPr>
           <a:xfrm>
-            <a:off x="10637738" y="2206400"/>
+            <a:off x="10637738" y="1927000"/>
             <a:ext cx="648000" cy="396000"/>
           </a:xfrm>
           <a:prstGeom prst="cube">
@@ -7974,7 +7974,7 @@
         </p:nvSpPr>
         <p:spPr>
           <a:xfrm>
-            <a:off x="10637738" y="1397553"/>
+            <a:off x="10637738" y="1118153"/>
             <a:ext cx="648000" cy="396000"/>
           </a:xfrm>
           <a:prstGeom prst="cube">
@@ -8039,7 +8039,7 @@
         </p:nvSpPr>
         <p:spPr>
           <a:xfrm>
-            <a:off x="4594479" y="1397553"/>
+            <a:off x="4594479" y="1118153"/>
             <a:ext cx="648000" cy="396000"/>
           </a:xfrm>
           <a:prstGeom prst="cube">
@@ -8108,7 +8108,7 @@
         </p:nvCxnSpPr>
         <p:spPr>
           <a:xfrm>
-            <a:off x="4886262" y="1793553"/>
+            <a:off x="4886262" y="1514153"/>
             <a:ext cx="0" cy="477280"/>
           </a:xfrm>
           <a:prstGeom prst="straightConnector1">
@@ -8151,7 +8151,7 @@
         </p:nvCxnSpPr>
         <p:spPr>
           <a:xfrm>
-            <a:off x="4886262" y="2602400"/>
+            <a:off x="4886262" y="2323000"/>
             <a:ext cx="0" cy="484626"/>
           </a:xfrm>
           <a:prstGeom prst="straightConnector1">
@@ -8194,7 +8194,7 @@
         </p:nvCxnSpPr>
         <p:spPr>
           <a:xfrm>
-            <a:off x="4886262" y="3418593"/>
+            <a:off x="4886262" y="3139193"/>
             <a:ext cx="0" cy="697492"/>
           </a:xfrm>
           <a:prstGeom prst="straightConnector1">
@@ -8237,7 +8237,7 @@
         </p:nvCxnSpPr>
         <p:spPr>
           <a:xfrm>
-            <a:off x="4886262" y="4447652"/>
+            <a:off x="4886262" y="4168252"/>
             <a:ext cx="0" cy="610584"/>
           </a:xfrm>
           <a:prstGeom prst="straightConnector1">
@@ -8278,7 +8278,7 @@
         </p:nvCxnSpPr>
         <p:spPr>
           <a:xfrm>
-            <a:off x="4886262" y="5373808"/>
+            <a:off x="4886262" y="5094408"/>
             <a:ext cx="0" cy="1037625"/>
           </a:xfrm>
           <a:prstGeom prst="straightConnector1">
@@ -8321,7 +8321,7 @@
         </p:nvCxnSpPr>
         <p:spPr>
           <a:xfrm flipV="1">
-            <a:off x="10929521" y="4447652"/>
+            <a:off x="10929521" y="4168252"/>
             <a:ext cx="0" cy="610584"/>
           </a:xfrm>
           <a:prstGeom prst="straightConnector1">
@@ -8364,7 +8364,7 @@
         </p:nvCxnSpPr>
         <p:spPr>
           <a:xfrm flipV="1">
-            <a:off x="10929521" y="3418593"/>
+            <a:off x="10929521" y="3139193"/>
             <a:ext cx="0" cy="697492"/>
           </a:xfrm>
           <a:prstGeom prst="straightConnector1">
@@ -8406,7 +8406,7 @@
         </p:nvCxnSpPr>
         <p:spPr>
           <a:xfrm flipV="1">
-            <a:off x="10929521" y="2602400"/>
+            <a:off x="10929521" y="2323000"/>
             <a:ext cx="0" cy="484626"/>
           </a:xfrm>
           <a:prstGeom prst="straightConnector1">
@@ -8449,7 +8449,7 @@
         </p:nvCxnSpPr>
         <p:spPr>
           <a:xfrm flipV="1">
-            <a:off x="10929521" y="1793553"/>
+            <a:off x="10929521" y="1514153"/>
             <a:ext cx="0" cy="477280"/>
           </a:xfrm>
           <a:prstGeom prst="straightConnector1">
@@ -8490,7 +8490,7 @@
         </p:nvCxnSpPr>
         <p:spPr>
           <a:xfrm flipV="1">
-            <a:off x="10961738" y="5412426"/>
+            <a:off x="10961738" y="5133026"/>
             <a:ext cx="10203" cy="965367"/>
           </a:xfrm>
           <a:prstGeom prst="straightConnector1">
@@ -8531,7 +8531,7 @@
         </p:nvCxnSpPr>
         <p:spPr>
           <a:xfrm>
-            <a:off x="4918479" y="6393119"/>
+            <a:off x="4918479" y="6113719"/>
             <a:ext cx="6053462" cy="18314"/>
           </a:xfrm>
           <a:prstGeom prst="straightConnector1">
@@ -8556,6 +8556,80 @@
           </a:fontRef>
         </p:style>
       </p:cxnSp>
+      <p:sp>
+        <p:nvSpPr>
+          <p:cNvPr id="2" name="テキスト ボックス 1">
+            <a:extLst>
+              <a:ext uri="{FF2B5EF4-FFF2-40B4-BE49-F238E27FC236}">
+                <a16:creationId xmlns:a16="http://schemas.microsoft.com/office/drawing/2014/main" id="{B5C981BD-5DD0-182B-FC81-9756CCBE1A38}"/>
+              </a:ext>
+            </a:extLst>
+          </p:cNvPr>
+          <p:cNvSpPr txBox="1"/>
+          <p:nvPr/>
+        </p:nvSpPr>
+        <p:spPr>
+          <a:xfrm>
+            <a:off x="4673126" y="6350957"/>
+            <a:ext cx="2904962" cy="215444"/>
+          </a:xfrm>
+          <a:prstGeom prst="rect">
+            <a:avLst/>
+          </a:prstGeom>
+          <a:noFill/>
+        </p:spPr>
+        <p:txBody>
+          <a:bodyPr wrap="none" rtlCol="0">
+            <a:spAutoFit/>
+          </a:bodyPr>
+          <a:lstStyle/>
+          <a:p>
+            <a:r>
+              <a:rPr lang="en-US" altLang="ja-JP" sz="800" b="0" i="0" u="none" strike="noStrike" dirty="0">
+                <a:solidFill>
+                  <a:schemeClr val="bg1">
+                    <a:lumMod val="65000"/>
+                  </a:schemeClr>
+                </a:solidFill>
+                <a:effectLst/>
+                <a:latin typeface="游ゴシック" panose="020B0400000000000000" pitchFamily="50" charset="-128"/>
+                <a:ea typeface="游ゴシック" panose="020B0400000000000000" pitchFamily="50" charset="-128"/>
+              </a:rPr>
+              <a:t>"RPC message" by Yamaoka is licensed under CC BY 2.0</a:t>
+            </a:r>
+            <a:r>
+              <a:rPr lang="en-US" altLang="ja-JP" sz="800" b="0" i="0" u="none" strike="noStrike" dirty="0">
+                <a:solidFill>
+                  <a:schemeClr val="bg1">
+                    <a:lumMod val="65000"/>
+                  </a:schemeClr>
+                </a:solidFill>
+                <a:effectLst/>
+                <a:latin typeface="Tahoma" panose="020B0604030504040204" pitchFamily="34" charset="0"/>
+                <a:ea typeface="游ゴシック" panose="020B0400000000000000" pitchFamily="50" charset="-128"/>
+              </a:rPr>
+              <a:t>﻿</a:t>
+            </a:r>
+            <a:r>
+              <a:rPr lang="en-US" altLang="ja-JP" sz="800" dirty="0">
+                <a:solidFill>
+                  <a:schemeClr val="bg1">
+                    <a:lumMod val="65000"/>
+                  </a:schemeClr>
+                </a:solidFill>
+              </a:rPr>
+              <a:t> </a:t>
+            </a:r>
+            <a:endParaRPr kumimoji="1" lang="ja-JP" altLang="en-US" sz="800" dirty="0">
+              <a:solidFill>
+                <a:schemeClr val="bg1">
+                  <a:lumMod val="65000"/>
+                </a:schemeClr>
+              </a:solidFill>
+            </a:endParaRPr>
+          </a:p>
+        </p:txBody>
+      </p:sp>
     </p:spTree>
     <p:extLst>
       <p:ext uri="{BB962C8B-B14F-4D97-AF65-F5344CB8AC3E}">
